--- a/2.pptx
+++ b/2.pptx
@@ -124,6 +124,11 @@
       </a:defRPr>
     </a:lvl9pPr>
   </p:defaultTextStyle>
+  <p:extLst>
+    <p:ext uri="{EFAFB233-063F-42B5-8137-9DF3F51BA10A}">
+      <p15:sldGuideLst xmlns:p15="http://schemas.microsoft.com/office/powerpoint/2012/main"/>
+    </p:ext>
+  </p:extLst>
 </p:presentation>
 </file>
 
@@ -169,10 +174,9 @@
           </a:lstStyle>
           <a:p>
             <a:r>
-              <a:rPr lang="he-IL" smtClean="0"/>
+              <a:rPr lang="he-IL"/>
               <a:t>לחץ כדי לערוך סגנון כותרת של תבנית בסיס</a:t>
             </a:r>
-            <a:endParaRPr lang="he-IL"/>
           </a:p>
         </p:txBody>
       </p:sp>
@@ -234,10 +238,9 @@
           </a:lstStyle>
           <a:p>
             <a:r>
-              <a:rPr lang="he-IL" smtClean="0"/>
+              <a:rPr lang="he-IL"/>
               <a:t>לחץ כדי לערוך סגנון כותרת משנה של תבנית בסיס</a:t>
             </a:r>
-            <a:endParaRPr lang="he-IL"/>
           </a:p>
         </p:txBody>
       </p:sp>
@@ -258,7 +261,7 @@
           <a:p>
             <a:fld id="{8470C9ED-8543-405D-B0E5-618EFFB518B3}" type="datetimeFigureOut">
               <a:rPr lang="he-IL" smtClean="0"/>
-              <a:t>י'/כסלו/תשפ"ה</a:t>
+              <a:t>ז'/שבט/תשפ"ה</a:t>
             </a:fld>
             <a:endParaRPr lang="he-IL"/>
           </a:p>
@@ -352,10 +355,9 @@
           <a:lstStyle/>
           <a:p>
             <a:r>
-              <a:rPr lang="he-IL" smtClean="0"/>
+              <a:rPr lang="he-IL"/>
               <a:t>לחץ כדי לערוך סגנון כותרת של תבנית בסיס</a:t>
             </a:r>
-            <a:endParaRPr lang="he-IL"/>
           </a:p>
         </p:txBody>
       </p:sp>
@@ -376,38 +378,37 @@
           <a:p>
             <a:pPr lvl="0"/>
             <a:r>
-              <a:rPr lang="he-IL" smtClean="0"/>
+              <a:rPr lang="he-IL"/>
               <a:t>ערוך סגנונות טקסט של תבנית בסיס</a:t>
             </a:r>
           </a:p>
           <a:p>
             <a:pPr lvl="1"/>
             <a:r>
-              <a:rPr lang="he-IL" smtClean="0"/>
+              <a:rPr lang="he-IL"/>
               <a:t>רמה שניה</a:t>
             </a:r>
           </a:p>
           <a:p>
             <a:pPr lvl="2"/>
             <a:r>
-              <a:rPr lang="he-IL" smtClean="0"/>
+              <a:rPr lang="he-IL"/>
               <a:t>רמה שלישית</a:t>
             </a:r>
           </a:p>
           <a:p>
             <a:pPr lvl="3"/>
             <a:r>
-              <a:rPr lang="he-IL" smtClean="0"/>
+              <a:rPr lang="he-IL"/>
               <a:t>רמה רביעית</a:t>
             </a:r>
           </a:p>
           <a:p>
             <a:pPr lvl="4"/>
             <a:r>
-              <a:rPr lang="he-IL" smtClean="0"/>
+              <a:rPr lang="he-IL"/>
               <a:t>רמה חמישית</a:t>
             </a:r>
-            <a:endParaRPr lang="he-IL"/>
           </a:p>
         </p:txBody>
       </p:sp>
@@ -428,7 +429,7 @@
           <a:p>
             <a:fld id="{8470C9ED-8543-405D-B0E5-618EFFB518B3}" type="datetimeFigureOut">
               <a:rPr lang="he-IL" smtClean="0"/>
-              <a:t>י'/כסלו/תשפ"ה</a:t>
+              <a:t>ז'/שבט/תשפ"ה</a:t>
             </a:fld>
             <a:endParaRPr lang="he-IL"/>
           </a:p>
@@ -527,10 +528,9 @@
           <a:lstStyle/>
           <a:p>
             <a:r>
-              <a:rPr lang="he-IL" smtClean="0"/>
+              <a:rPr lang="he-IL"/>
               <a:t>לחץ כדי לערוך סגנון כותרת של תבנית בסיס</a:t>
             </a:r>
-            <a:endParaRPr lang="he-IL"/>
           </a:p>
         </p:txBody>
       </p:sp>
@@ -556,38 +556,37 @@
           <a:p>
             <a:pPr lvl="0"/>
             <a:r>
-              <a:rPr lang="he-IL" smtClean="0"/>
+              <a:rPr lang="he-IL"/>
               <a:t>ערוך סגנונות טקסט של תבנית בסיס</a:t>
             </a:r>
           </a:p>
           <a:p>
             <a:pPr lvl="1"/>
             <a:r>
-              <a:rPr lang="he-IL" smtClean="0"/>
+              <a:rPr lang="he-IL"/>
               <a:t>רמה שניה</a:t>
             </a:r>
           </a:p>
           <a:p>
             <a:pPr lvl="2"/>
             <a:r>
-              <a:rPr lang="he-IL" smtClean="0"/>
+              <a:rPr lang="he-IL"/>
               <a:t>רמה שלישית</a:t>
             </a:r>
           </a:p>
           <a:p>
             <a:pPr lvl="3"/>
             <a:r>
-              <a:rPr lang="he-IL" smtClean="0"/>
+              <a:rPr lang="he-IL"/>
               <a:t>רמה רביעית</a:t>
             </a:r>
           </a:p>
           <a:p>
             <a:pPr lvl="4"/>
             <a:r>
-              <a:rPr lang="he-IL" smtClean="0"/>
+              <a:rPr lang="he-IL"/>
               <a:t>רמה חמישית</a:t>
             </a:r>
-            <a:endParaRPr lang="he-IL"/>
           </a:p>
         </p:txBody>
       </p:sp>
@@ -608,7 +607,7 @@
           <a:p>
             <a:fld id="{8470C9ED-8543-405D-B0E5-618EFFB518B3}" type="datetimeFigureOut">
               <a:rPr lang="he-IL" smtClean="0"/>
-              <a:t>י'/כסלו/תשפ"ה</a:t>
+              <a:t>ז'/שבט/תשפ"ה</a:t>
             </a:fld>
             <a:endParaRPr lang="he-IL"/>
           </a:p>
@@ -702,10 +701,9 @@
           <a:lstStyle/>
           <a:p>
             <a:r>
-              <a:rPr lang="he-IL" smtClean="0"/>
+              <a:rPr lang="he-IL"/>
               <a:t>לחץ כדי לערוך סגנון כותרת של תבנית בסיס</a:t>
             </a:r>
-            <a:endParaRPr lang="he-IL"/>
           </a:p>
         </p:txBody>
       </p:sp>
@@ -726,38 +724,37 @@
           <a:p>
             <a:pPr lvl="0"/>
             <a:r>
-              <a:rPr lang="he-IL" smtClean="0"/>
+              <a:rPr lang="he-IL"/>
               <a:t>ערוך סגנונות טקסט של תבנית בסיס</a:t>
             </a:r>
           </a:p>
           <a:p>
             <a:pPr lvl="1"/>
             <a:r>
-              <a:rPr lang="he-IL" smtClean="0"/>
+              <a:rPr lang="he-IL"/>
               <a:t>רמה שניה</a:t>
             </a:r>
           </a:p>
           <a:p>
             <a:pPr lvl="2"/>
             <a:r>
-              <a:rPr lang="he-IL" smtClean="0"/>
+              <a:rPr lang="he-IL"/>
               <a:t>רמה שלישית</a:t>
             </a:r>
           </a:p>
           <a:p>
             <a:pPr lvl="3"/>
             <a:r>
-              <a:rPr lang="he-IL" smtClean="0"/>
+              <a:rPr lang="he-IL"/>
               <a:t>רמה רביעית</a:t>
             </a:r>
           </a:p>
           <a:p>
             <a:pPr lvl="4"/>
             <a:r>
-              <a:rPr lang="he-IL" smtClean="0"/>
+              <a:rPr lang="he-IL"/>
               <a:t>רמה חמישית</a:t>
             </a:r>
-            <a:endParaRPr lang="he-IL"/>
           </a:p>
         </p:txBody>
       </p:sp>
@@ -778,7 +775,7 @@
           <a:p>
             <a:fld id="{8470C9ED-8543-405D-B0E5-618EFFB518B3}" type="datetimeFigureOut">
               <a:rPr lang="he-IL" smtClean="0"/>
-              <a:t>י'/כסלו/תשפ"ה</a:t>
+              <a:t>ז'/שבט/תשפ"ה</a:t>
             </a:fld>
             <a:endParaRPr lang="he-IL"/>
           </a:p>
@@ -881,10 +878,9 @@
           </a:lstStyle>
           <a:p>
             <a:r>
-              <a:rPr lang="he-IL" smtClean="0"/>
+              <a:rPr lang="he-IL"/>
               <a:t>לחץ כדי לערוך סגנון כותרת של תבנית בסיס</a:t>
             </a:r>
-            <a:endParaRPr lang="he-IL"/>
           </a:p>
         </p:txBody>
       </p:sp>
@@ -1001,7 +997,7 @@
           <a:p>
             <a:pPr lvl="0"/>
             <a:r>
-              <a:rPr lang="he-IL" smtClean="0"/>
+              <a:rPr lang="he-IL"/>
               <a:t>ערוך סגנונות טקסט של תבנית בסיס</a:t>
             </a:r>
           </a:p>
@@ -1024,7 +1020,7 @@
           <a:p>
             <a:fld id="{8470C9ED-8543-405D-B0E5-618EFFB518B3}" type="datetimeFigureOut">
               <a:rPr lang="he-IL" smtClean="0"/>
-              <a:t>י'/כסלו/תשפ"ה</a:t>
+              <a:t>ז'/שבט/תשפ"ה</a:t>
             </a:fld>
             <a:endParaRPr lang="he-IL"/>
           </a:p>
@@ -1118,10 +1114,9 @@
           <a:lstStyle/>
           <a:p>
             <a:r>
-              <a:rPr lang="he-IL" smtClean="0"/>
+              <a:rPr lang="he-IL"/>
               <a:t>לחץ כדי לערוך סגנון כותרת של תבנית בסיס</a:t>
             </a:r>
-            <a:endParaRPr lang="he-IL"/>
           </a:p>
         </p:txBody>
       </p:sp>
@@ -1147,38 +1142,37 @@
           <a:p>
             <a:pPr lvl="0"/>
             <a:r>
-              <a:rPr lang="he-IL" smtClean="0"/>
+              <a:rPr lang="he-IL"/>
               <a:t>ערוך סגנונות טקסט של תבנית בסיס</a:t>
             </a:r>
           </a:p>
           <a:p>
             <a:pPr lvl="1"/>
             <a:r>
-              <a:rPr lang="he-IL" smtClean="0"/>
+              <a:rPr lang="he-IL"/>
               <a:t>רמה שניה</a:t>
             </a:r>
           </a:p>
           <a:p>
             <a:pPr lvl="2"/>
             <a:r>
-              <a:rPr lang="he-IL" smtClean="0"/>
+              <a:rPr lang="he-IL"/>
               <a:t>רמה שלישית</a:t>
             </a:r>
           </a:p>
           <a:p>
             <a:pPr lvl="3"/>
             <a:r>
-              <a:rPr lang="he-IL" smtClean="0"/>
+              <a:rPr lang="he-IL"/>
               <a:t>רמה רביעית</a:t>
             </a:r>
           </a:p>
           <a:p>
             <a:pPr lvl="4"/>
             <a:r>
-              <a:rPr lang="he-IL" smtClean="0"/>
+              <a:rPr lang="he-IL"/>
               <a:t>רמה חמישית</a:t>
             </a:r>
-            <a:endParaRPr lang="he-IL"/>
           </a:p>
         </p:txBody>
       </p:sp>
@@ -1204,38 +1198,37 @@
           <a:p>
             <a:pPr lvl="0"/>
             <a:r>
-              <a:rPr lang="he-IL" smtClean="0"/>
+              <a:rPr lang="he-IL"/>
               <a:t>ערוך סגנונות טקסט של תבנית בסיס</a:t>
             </a:r>
           </a:p>
           <a:p>
             <a:pPr lvl="1"/>
             <a:r>
-              <a:rPr lang="he-IL" smtClean="0"/>
+              <a:rPr lang="he-IL"/>
               <a:t>רמה שניה</a:t>
             </a:r>
           </a:p>
           <a:p>
             <a:pPr lvl="2"/>
             <a:r>
-              <a:rPr lang="he-IL" smtClean="0"/>
+              <a:rPr lang="he-IL"/>
               <a:t>רמה שלישית</a:t>
             </a:r>
           </a:p>
           <a:p>
             <a:pPr lvl="3"/>
             <a:r>
-              <a:rPr lang="he-IL" smtClean="0"/>
+              <a:rPr lang="he-IL"/>
               <a:t>רמה רביעית</a:t>
             </a:r>
           </a:p>
           <a:p>
             <a:pPr lvl="4"/>
             <a:r>
-              <a:rPr lang="he-IL" smtClean="0"/>
+              <a:rPr lang="he-IL"/>
               <a:t>רמה חמישית</a:t>
             </a:r>
-            <a:endParaRPr lang="he-IL"/>
           </a:p>
         </p:txBody>
       </p:sp>
@@ -1256,7 +1249,7 @@
           <a:p>
             <a:fld id="{8470C9ED-8543-405D-B0E5-618EFFB518B3}" type="datetimeFigureOut">
               <a:rPr lang="he-IL" smtClean="0"/>
-              <a:t>י'/כסלו/תשפ"ה</a:t>
+              <a:t>ז'/שבט/תשפ"ה</a:t>
             </a:fld>
             <a:endParaRPr lang="he-IL"/>
           </a:p>
@@ -1355,10 +1348,9 @@
           <a:lstStyle/>
           <a:p>
             <a:r>
-              <a:rPr lang="he-IL" smtClean="0"/>
+              <a:rPr lang="he-IL"/>
               <a:t>לחץ כדי לערוך סגנון כותרת של תבנית בסיס</a:t>
             </a:r>
-            <a:endParaRPr lang="he-IL"/>
           </a:p>
         </p:txBody>
       </p:sp>
@@ -1421,7 +1413,7 @@
           <a:p>
             <a:pPr lvl="0"/>
             <a:r>
-              <a:rPr lang="he-IL" smtClean="0"/>
+              <a:rPr lang="he-IL"/>
               <a:t>ערוך סגנונות טקסט של תבנית בסיס</a:t>
             </a:r>
           </a:p>
@@ -1449,38 +1441,37 @@
           <a:p>
             <a:pPr lvl="0"/>
             <a:r>
-              <a:rPr lang="he-IL" smtClean="0"/>
+              <a:rPr lang="he-IL"/>
               <a:t>ערוך סגנונות טקסט של תבנית בסיס</a:t>
             </a:r>
           </a:p>
           <a:p>
             <a:pPr lvl="1"/>
             <a:r>
-              <a:rPr lang="he-IL" smtClean="0"/>
+              <a:rPr lang="he-IL"/>
               <a:t>רמה שניה</a:t>
             </a:r>
           </a:p>
           <a:p>
             <a:pPr lvl="2"/>
             <a:r>
-              <a:rPr lang="he-IL" smtClean="0"/>
+              <a:rPr lang="he-IL"/>
               <a:t>רמה שלישית</a:t>
             </a:r>
           </a:p>
           <a:p>
             <a:pPr lvl="3"/>
             <a:r>
-              <a:rPr lang="he-IL" smtClean="0"/>
+              <a:rPr lang="he-IL"/>
               <a:t>רמה רביעית</a:t>
             </a:r>
           </a:p>
           <a:p>
             <a:pPr lvl="4"/>
             <a:r>
-              <a:rPr lang="he-IL" smtClean="0"/>
+              <a:rPr lang="he-IL"/>
               <a:t>רמה חמישית</a:t>
             </a:r>
-            <a:endParaRPr lang="he-IL"/>
           </a:p>
         </p:txBody>
       </p:sp>
@@ -1543,7 +1534,7 @@
           <a:p>
             <a:pPr lvl="0"/>
             <a:r>
-              <a:rPr lang="he-IL" smtClean="0"/>
+              <a:rPr lang="he-IL"/>
               <a:t>ערוך סגנונות טקסט של תבנית בסיס</a:t>
             </a:r>
           </a:p>
@@ -1571,38 +1562,37 @@
           <a:p>
             <a:pPr lvl="0"/>
             <a:r>
-              <a:rPr lang="he-IL" smtClean="0"/>
+              <a:rPr lang="he-IL"/>
               <a:t>ערוך סגנונות טקסט של תבנית בסיס</a:t>
             </a:r>
           </a:p>
           <a:p>
             <a:pPr lvl="1"/>
             <a:r>
-              <a:rPr lang="he-IL" smtClean="0"/>
+              <a:rPr lang="he-IL"/>
               <a:t>רמה שניה</a:t>
             </a:r>
           </a:p>
           <a:p>
             <a:pPr lvl="2"/>
             <a:r>
-              <a:rPr lang="he-IL" smtClean="0"/>
+              <a:rPr lang="he-IL"/>
               <a:t>רמה שלישית</a:t>
             </a:r>
           </a:p>
           <a:p>
             <a:pPr lvl="3"/>
             <a:r>
-              <a:rPr lang="he-IL" smtClean="0"/>
+              <a:rPr lang="he-IL"/>
               <a:t>רמה רביעית</a:t>
             </a:r>
           </a:p>
           <a:p>
             <a:pPr lvl="4"/>
             <a:r>
-              <a:rPr lang="he-IL" smtClean="0"/>
+              <a:rPr lang="he-IL"/>
               <a:t>רמה חמישית</a:t>
             </a:r>
-            <a:endParaRPr lang="he-IL"/>
           </a:p>
         </p:txBody>
       </p:sp>
@@ -1623,7 +1613,7 @@
           <a:p>
             <a:fld id="{8470C9ED-8543-405D-B0E5-618EFFB518B3}" type="datetimeFigureOut">
               <a:rPr lang="he-IL" smtClean="0"/>
-              <a:t>י'/כסלו/תשפ"ה</a:t>
+              <a:t>ז'/שבט/תשפ"ה</a:t>
             </a:fld>
             <a:endParaRPr lang="he-IL"/>
           </a:p>
@@ -1717,10 +1707,9 @@
           <a:lstStyle/>
           <a:p>
             <a:r>
-              <a:rPr lang="he-IL" smtClean="0"/>
+              <a:rPr lang="he-IL"/>
               <a:t>לחץ כדי לערוך סגנון כותרת של תבנית בסיס</a:t>
             </a:r>
-            <a:endParaRPr lang="he-IL"/>
           </a:p>
         </p:txBody>
       </p:sp>
@@ -1741,7 +1730,7 @@
           <a:p>
             <a:fld id="{8470C9ED-8543-405D-B0E5-618EFFB518B3}" type="datetimeFigureOut">
               <a:rPr lang="he-IL" smtClean="0"/>
-              <a:t>י'/כסלו/תשפ"ה</a:t>
+              <a:t>ז'/שבט/תשפ"ה</a:t>
             </a:fld>
             <a:endParaRPr lang="he-IL"/>
           </a:p>
@@ -1836,7 +1825,7 @@
           <a:p>
             <a:fld id="{8470C9ED-8543-405D-B0E5-618EFFB518B3}" type="datetimeFigureOut">
               <a:rPr lang="he-IL" smtClean="0"/>
-              <a:t>י'/כסלו/תשפ"ה</a:t>
+              <a:t>ז'/שבט/תשפ"ה</a:t>
             </a:fld>
             <a:endParaRPr lang="he-IL"/>
           </a:p>
@@ -1939,10 +1928,9 @@
           </a:lstStyle>
           <a:p>
             <a:r>
-              <a:rPr lang="he-IL" smtClean="0"/>
+              <a:rPr lang="he-IL"/>
               <a:t>לחץ כדי לערוך סגנון כותרת של תבנית בסיס</a:t>
             </a:r>
-            <a:endParaRPr lang="he-IL"/>
           </a:p>
         </p:txBody>
       </p:sp>
@@ -1996,38 +1984,37 @@
           <a:p>
             <a:pPr lvl="0"/>
             <a:r>
-              <a:rPr lang="he-IL" smtClean="0"/>
+              <a:rPr lang="he-IL"/>
               <a:t>ערוך סגנונות טקסט של תבנית בסיס</a:t>
             </a:r>
           </a:p>
           <a:p>
             <a:pPr lvl="1"/>
             <a:r>
-              <a:rPr lang="he-IL" smtClean="0"/>
+              <a:rPr lang="he-IL"/>
               <a:t>רמה שניה</a:t>
             </a:r>
           </a:p>
           <a:p>
             <a:pPr lvl="2"/>
             <a:r>
-              <a:rPr lang="he-IL" smtClean="0"/>
+              <a:rPr lang="he-IL"/>
               <a:t>רמה שלישית</a:t>
             </a:r>
           </a:p>
           <a:p>
             <a:pPr lvl="3"/>
             <a:r>
-              <a:rPr lang="he-IL" smtClean="0"/>
+              <a:rPr lang="he-IL"/>
               <a:t>רמה רביעית</a:t>
             </a:r>
           </a:p>
           <a:p>
             <a:pPr lvl="4"/>
             <a:r>
-              <a:rPr lang="he-IL" smtClean="0"/>
+              <a:rPr lang="he-IL"/>
               <a:t>רמה חמישית</a:t>
             </a:r>
-            <a:endParaRPr lang="he-IL"/>
           </a:p>
         </p:txBody>
       </p:sp>
@@ -2090,7 +2077,7 @@
           <a:p>
             <a:pPr lvl="0"/>
             <a:r>
-              <a:rPr lang="he-IL" smtClean="0"/>
+              <a:rPr lang="he-IL"/>
               <a:t>ערוך סגנונות טקסט של תבנית בסיס</a:t>
             </a:r>
           </a:p>
@@ -2113,7 +2100,7 @@
           <a:p>
             <a:fld id="{8470C9ED-8543-405D-B0E5-618EFFB518B3}" type="datetimeFigureOut">
               <a:rPr lang="he-IL" smtClean="0"/>
-              <a:t>י'/כסלו/תשפ"ה</a:t>
+              <a:t>ז'/שבט/תשפ"ה</a:t>
             </a:fld>
             <a:endParaRPr lang="he-IL"/>
           </a:p>
@@ -2216,10 +2203,9 @@
           </a:lstStyle>
           <a:p>
             <a:r>
-              <a:rPr lang="he-IL" smtClean="0"/>
+              <a:rPr lang="he-IL"/>
               <a:t>לחץ כדי לערוך סגנון כותרת של תבנית בסיס</a:t>
             </a:r>
-            <a:endParaRPr lang="he-IL"/>
           </a:p>
         </p:txBody>
       </p:sp>
@@ -2343,7 +2329,7 @@
           <a:p>
             <a:pPr lvl="0"/>
             <a:r>
-              <a:rPr lang="he-IL" smtClean="0"/>
+              <a:rPr lang="he-IL"/>
               <a:t>ערוך סגנונות טקסט של תבנית בסיס</a:t>
             </a:r>
           </a:p>
@@ -2366,7 +2352,7 @@
           <a:p>
             <a:fld id="{8470C9ED-8543-405D-B0E5-618EFFB518B3}" type="datetimeFigureOut">
               <a:rPr lang="he-IL" smtClean="0"/>
-              <a:t>י'/כסלו/תשפ"ה</a:t>
+              <a:t>ז'/שבט/תשפ"ה</a:t>
             </a:fld>
             <a:endParaRPr lang="he-IL"/>
           </a:p>
@@ -2475,10 +2461,9 @@
           <a:lstStyle/>
           <a:p>
             <a:r>
-              <a:rPr lang="he-IL" smtClean="0"/>
+              <a:rPr lang="he-IL"/>
               <a:t>לחץ כדי לערוך סגנון כותרת של תבנית בסיס</a:t>
             </a:r>
-            <a:endParaRPr lang="he-IL"/>
           </a:p>
         </p:txBody>
       </p:sp>
@@ -2509,38 +2494,37 @@
           <a:p>
             <a:pPr lvl="0"/>
             <a:r>
-              <a:rPr lang="he-IL" smtClean="0"/>
+              <a:rPr lang="he-IL"/>
               <a:t>ערוך סגנונות טקסט של תבנית בסיס</a:t>
             </a:r>
           </a:p>
           <a:p>
             <a:pPr lvl="1"/>
             <a:r>
-              <a:rPr lang="he-IL" smtClean="0"/>
+              <a:rPr lang="he-IL"/>
               <a:t>רמה שניה</a:t>
             </a:r>
           </a:p>
           <a:p>
             <a:pPr lvl="2"/>
             <a:r>
-              <a:rPr lang="he-IL" smtClean="0"/>
+              <a:rPr lang="he-IL"/>
               <a:t>רמה שלישית</a:t>
             </a:r>
           </a:p>
           <a:p>
             <a:pPr lvl="3"/>
             <a:r>
-              <a:rPr lang="he-IL" smtClean="0"/>
+              <a:rPr lang="he-IL"/>
               <a:t>רמה רביעית</a:t>
             </a:r>
           </a:p>
           <a:p>
             <a:pPr lvl="4"/>
             <a:r>
-              <a:rPr lang="he-IL" smtClean="0"/>
+              <a:rPr lang="he-IL"/>
               <a:t>רמה חמישית</a:t>
             </a:r>
-            <a:endParaRPr lang="he-IL"/>
           </a:p>
         </p:txBody>
       </p:sp>
@@ -2579,7 +2563,7 @@
           <a:p>
             <a:fld id="{8470C9ED-8543-405D-B0E5-618EFFB518B3}" type="datetimeFigureOut">
               <a:rPr lang="he-IL" smtClean="0"/>
-              <a:t>י'/כסלו/תשפ"ה</a:t>
+              <a:t>ז'/שבט/תשפ"ה</a:t>
             </a:fld>
             <a:endParaRPr lang="he-IL"/>
           </a:p>
@@ -3007,11 +2991,11 @@
           <a:lstStyle/>
           <a:p>
             <a:r>
-              <a:rPr lang="en-US" dirty="0" smtClean="0"/>
+              <a:rPr lang="en-US" dirty="0"/>
               <a:t> </a:t>
             </a:r>
             <a:r>
-              <a:rPr lang="he-IL" sz="4400" dirty="0" smtClean="0">
+              <a:rPr lang="he-IL" sz="4400" dirty="0">
                 <a:solidFill>
                   <a:srgbClr val="166042"/>
                 </a:solidFill>
@@ -3026,7 +3010,7 @@
               <a:t>שימוש ב</a:t>
             </a:r>
             <a:r>
-              <a:rPr lang="en-US" sz="4400" dirty="0" smtClean="0">
+              <a:rPr lang="en-US" sz="4400" dirty="0">
                 <a:solidFill>
                   <a:srgbClr val="166042"/>
                 </a:solidFill>
@@ -3041,7 +3025,7 @@
               <a:t>useState</a:t>
             </a:r>
             <a:r>
-              <a:rPr lang="he-IL" sz="4400" dirty="0" smtClean="0">
+              <a:rPr lang="he-IL" sz="4400" dirty="0">
                 <a:solidFill>
                   <a:srgbClr val="166042"/>
                 </a:solidFill>
@@ -3345,7 +3329,7 @@
               <a:buNone/>
             </a:pPr>
             <a:r>
-              <a:rPr lang="he-IL" dirty="0" smtClean="0">
+              <a:rPr lang="he-IL" dirty="0">
                 <a:solidFill>
                   <a:srgbClr val="0070C0"/>
                 </a:solidFill>
@@ -3360,7 +3344,7 @@
               <a:t>דוגמא </a:t>
             </a:r>
             <a:r>
-              <a:rPr lang="he-IL" dirty="0" err="1" smtClean="0">
+              <a:rPr lang="he-IL" dirty="0" err="1">
                 <a:solidFill>
                   <a:srgbClr val="0070C0"/>
                 </a:solidFill>
@@ -3375,7 +3359,7 @@
               <a:t>לרינדור</a:t>
             </a:r>
             <a:r>
-              <a:rPr lang="he-IL" dirty="0" smtClean="0">
+              <a:rPr lang="he-IL" dirty="0">
                 <a:solidFill>
                   <a:srgbClr val="0070C0"/>
                 </a:solidFill>
@@ -3390,7 +3374,7 @@
               <a:t> עם </a:t>
             </a:r>
             <a:r>
-              <a:rPr lang="en-US" dirty="0" smtClean="0">
+              <a:rPr lang="en-US" dirty="0">
                 <a:solidFill>
                   <a:srgbClr val="0070C0"/>
                 </a:solidFill>
@@ -3405,7 +3389,7 @@
               <a:t>virtual </a:t>
             </a:r>
             <a:r>
-              <a:rPr lang="en-US" dirty="0" err="1" smtClean="0">
+              <a:rPr lang="en-US" dirty="0" err="1">
                 <a:solidFill>
                   <a:srgbClr val="0070C0"/>
                 </a:solidFill>
@@ -3432,35 +3416,8 @@
                   </a:outerShdw>
                 </a:effectLst>
               </a:rPr>
-              <a:t> </a:t>
-            </a:r>
-            <a:r>
-              <a:rPr lang="he-IL" dirty="0" smtClean="0">
-                <a:solidFill>
-                  <a:srgbClr val="0070C0"/>
-                </a:solidFill>
-                <a:effectLst>
-                  <a:outerShdw blurRad="38100" dist="38100" dir="2700000" algn="tl">
-                    <a:srgbClr val="000000">
-                      <a:alpha val="43137"/>
-                    </a:srgbClr>
-                  </a:outerShdw>
-                </a:effectLst>
-              </a:rPr>
-              <a:t>:</a:t>
-            </a:r>
-            <a:endParaRPr lang="he-IL" dirty="0">
-              <a:solidFill>
-                <a:srgbClr val="0070C0"/>
-              </a:solidFill>
-              <a:effectLst>
-                <a:outerShdw blurRad="38100" dist="38100" dir="2700000" algn="tl">
-                  <a:srgbClr val="000000">
-                    <a:alpha val="43137"/>
-                  </a:srgbClr>
-                </a:outerShdw>
-              </a:effectLst>
-            </a:endParaRPr>
+              <a:t> :</a:t>
+            </a:r>
           </a:p>
         </p:txBody>
       </p:sp>
@@ -3643,7 +3600,7 @@
           <a:p>
             <a:pPr algn="ctr"/>
             <a:r>
-              <a:rPr lang="en-US" dirty="0" smtClean="0">
+              <a:rPr lang="en-US" dirty="0">
                 <a:solidFill>
                   <a:srgbClr val="FF0000"/>
                 </a:solidFill>
@@ -3654,7 +3611,7 @@
           <a:p>
             <a:pPr algn="ctr"/>
             <a:r>
-              <a:rPr lang="en-US" dirty="0" smtClean="0">
+              <a:rPr lang="en-US" dirty="0">
                 <a:solidFill>
                   <a:srgbClr val="00B050"/>
                 </a:solidFill>
@@ -4107,7 +4064,7 @@
           <a:p>
             <a:pPr algn="ctr"/>
             <a:r>
-              <a:rPr lang="he-IL" dirty="0" smtClean="0">
+              <a:rPr lang="he-IL" dirty="0">
                 <a:solidFill>
                   <a:srgbClr val="00B0F0"/>
                 </a:solidFill>
@@ -4122,7 +4079,7 @@
               <a:t>התחביר של </a:t>
             </a:r>
             <a:r>
-              <a:rPr lang="en-US" dirty="0" err="1" smtClean="0">
+              <a:rPr lang="en-US" dirty="0" err="1">
                 <a:solidFill>
                   <a:srgbClr val="00B0F0"/>
                 </a:solidFill>
@@ -4149,35 +4106,8 @@
                   </a:outerShdw>
                 </a:effectLst>
               </a:rPr>
-              <a:t> </a:t>
-            </a:r>
-            <a:r>
-              <a:rPr lang="he-IL" dirty="0" smtClean="0">
-                <a:solidFill>
-                  <a:srgbClr val="00B0F0"/>
-                </a:solidFill>
-                <a:effectLst>
-                  <a:outerShdw blurRad="38100" dist="38100" dir="2700000" algn="tl">
-                    <a:srgbClr val="000000">
-                      <a:alpha val="43137"/>
-                    </a:srgbClr>
-                  </a:outerShdw>
-                </a:effectLst>
-              </a:rPr>
-              <a:t>:</a:t>
-            </a:r>
-            <a:endParaRPr lang="he-IL" dirty="0">
-              <a:solidFill>
-                <a:srgbClr val="00B0F0"/>
-              </a:solidFill>
-              <a:effectLst>
-                <a:outerShdw blurRad="38100" dist="38100" dir="2700000" algn="tl">
-                  <a:srgbClr val="000000">
-                    <a:alpha val="43137"/>
-                  </a:srgbClr>
-                </a:outerShdw>
-              </a:effectLst>
-            </a:endParaRPr>
+              <a:t> :</a:t>
+            </a:r>
           </a:p>
         </p:txBody>
       </p:sp>
@@ -4221,7 +4151,7 @@
         </p:blipFill>
         <p:spPr>
           <a:xfrm>
-            <a:off x="2024564" y="1866391"/>
+            <a:off x="1505744" y="1690688"/>
             <a:ext cx="8142872" cy="1903275"/>
           </a:xfrm>
           <a:prstGeom prst="rect">
@@ -4281,7 +4211,7 @@
           <a:p>
             <a:pPr algn="ctr"/>
             <a:r>
-              <a:rPr lang="he-IL" dirty="0" smtClean="0">
+              <a:rPr lang="he-IL" dirty="0">
                 <a:solidFill>
                   <a:srgbClr val="00B0F0"/>
                 </a:solidFill>
@@ -4296,7 +4226,7 @@
               <a:t>איך מוסיפים איבר למערך ב</a:t>
             </a:r>
             <a:r>
-              <a:rPr lang="en-US" dirty="0" smtClean="0">
+              <a:rPr lang="en-US" dirty="0">
                 <a:solidFill>
                   <a:srgbClr val="00B0F0"/>
                 </a:solidFill>
@@ -4311,7 +4241,7 @@
               <a:t>useState</a:t>
             </a:r>
             <a:r>
-              <a:rPr lang="he-IL" dirty="0" smtClean="0">
+              <a:rPr lang="he-IL" dirty="0">
                 <a:solidFill>
                   <a:srgbClr val="00B0F0"/>
                 </a:solidFill>
@@ -4325,18 +4255,6 @@
               </a:rPr>
               <a:t> ?</a:t>
             </a:r>
-            <a:endParaRPr lang="he-IL" dirty="0">
-              <a:solidFill>
-                <a:srgbClr val="00B0F0"/>
-              </a:solidFill>
-              <a:effectLst>
-                <a:outerShdw blurRad="38100" dist="38100" dir="2700000" algn="tl">
-                  <a:srgbClr val="000000">
-                    <a:alpha val="43137"/>
-                  </a:srgbClr>
-                </a:outerShdw>
-              </a:effectLst>
-            </a:endParaRPr>
           </a:p>
         </p:txBody>
       </p:sp>
@@ -4420,13 +4338,6 @@
   <p:clrMapOvr>
     <a:masterClrMapping/>
   </p:clrMapOvr>
-  <p:timing>
-    <p:tnLst>
-      <p:par>
-        <p:cTn id="1" dur="indefinite" restart="never" nodeType="tmRoot"/>
-      </p:par>
-    </p:tnLst>
-  </p:timing>
 </p:sld>
 </file>
 
@@ -4471,7 +4382,7 @@
               <a:buNone/>
             </a:pPr>
             <a:r>
-              <a:rPr lang="he-IL" dirty="0" smtClean="0">
+              <a:rPr lang="he-IL" dirty="0">
                 <a:solidFill>
                   <a:srgbClr val="00B0F0"/>
                 </a:solidFill>
@@ -4485,18 +4396,6 @@
               </a:rPr>
               <a:t>דוגמא בסיסית:</a:t>
             </a:r>
-            <a:endParaRPr lang="he-IL" dirty="0">
-              <a:solidFill>
-                <a:srgbClr val="00B0F0"/>
-              </a:solidFill>
-              <a:effectLst>
-                <a:outerShdw blurRad="38100" dist="38100" dir="2700000" algn="tl">
-                  <a:srgbClr val="000000">
-                    <a:alpha val="43137"/>
-                  </a:srgbClr>
-                </a:outerShdw>
-              </a:effectLst>
-            </a:endParaRPr>
           </a:p>
         </p:txBody>
       </p:sp>
@@ -4571,7 +4470,7 @@
           <a:p>
             <a:pPr algn="ctr"/>
             <a:r>
-              <a:rPr lang="he-IL" dirty="0" smtClean="0">
+              <a:rPr lang="he-IL" dirty="0">
                 <a:solidFill>
                   <a:srgbClr val="00B0F0"/>
                 </a:solidFill>
@@ -4585,18 +4484,6 @@
               </a:rPr>
               <a:t>תרגיל – יצירת דף פעילויות</a:t>
             </a:r>
-            <a:endParaRPr lang="he-IL" dirty="0">
-              <a:solidFill>
-                <a:srgbClr val="00B0F0"/>
-              </a:solidFill>
-              <a:effectLst>
-                <a:outerShdw blurRad="38100" dist="38100" dir="2700000" algn="tl">
-                  <a:srgbClr val="000000">
-                    <a:alpha val="43137"/>
-                  </a:srgbClr>
-                </a:outerShdw>
-              </a:effectLst>
-            </a:endParaRPr>
           </a:p>
         </p:txBody>
       </p:sp>
@@ -4677,7 +4564,7 @@
           <a:lstStyle/>
           <a:p>
             <a:r>
-              <a:rPr lang="he-IL" dirty="0" smtClean="0">
+              <a:rPr lang="he-IL" dirty="0">
                 <a:solidFill>
                   <a:srgbClr val="0070C0"/>
                 </a:solidFill>
@@ -4691,18 +4578,6 @@
               </a:rPr>
               <a:t>דוגמא:</a:t>
             </a:r>
-            <a:endParaRPr lang="he-IL" dirty="0">
-              <a:solidFill>
-                <a:srgbClr val="0070C0"/>
-              </a:solidFill>
-              <a:effectLst>
-                <a:outerShdw blurRad="38100" dist="38100" dir="2700000" algn="tl">
-                  <a:srgbClr val="000000">
-                    <a:alpha val="43137"/>
-                  </a:srgbClr>
-                </a:outerShdw>
-              </a:effectLst>
-            </a:endParaRPr>
           </a:p>
         </p:txBody>
       </p:sp>
@@ -4910,7 +4785,7 @@
               <a:buNone/>
             </a:pPr>
             <a:r>
-              <a:rPr lang="he-IL" dirty="0" smtClean="0">
+              <a:rPr lang="he-IL" dirty="0">
                 <a:solidFill>
                   <a:srgbClr val="0070C0"/>
                 </a:solidFill>
@@ -4924,18 +4799,6 @@
               </a:rPr>
               <a:t>דוגמא:</a:t>
             </a:r>
-            <a:endParaRPr lang="he-IL" dirty="0">
-              <a:solidFill>
-                <a:srgbClr val="0070C0"/>
-              </a:solidFill>
-              <a:effectLst>
-                <a:outerShdw blurRad="38100" dist="38100" dir="2700000" algn="tl">
-                  <a:srgbClr val="000000">
-                    <a:alpha val="43137"/>
-                  </a:srgbClr>
-                </a:outerShdw>
-              </a:effectLst>
-            </a:endParaRPr>
           </a:p>
         </p:txBody>
       </p:sp>
@@ -5155,7 +5018,7 @@
               <a:buNone/>
             </a:pPr>
             <a:r>
-              <a:rPr lang="he-IL" dirty="0" smtClean="0">
+              <a:rPr lang="he-IL" dirty="0">
                 <a:solidFill>
                   <a:srgbClr val="0070C0"/>
                 </a:solidFill>
@@ -5169,18 +5032,6 @@
               </a:rPr>
               <a:t>דוגמא:</a:t>
             </a:r>
-            <a:endParaRPr lang="he-IL" dirty="0">
-              <a:solidFill>
-                <a:srgbClr val="0070C0"/>
-              </a:solidFill>
-              <a:effectLst>
-                <a:outerShdw blurRad="38100" dist="38100" dir="2700000" algn="tl">
-                  <a:srgbClr val="000000">
-                    <a:alpha val="43137"/>
-                  </a:srgbClr>
-                </a:outerShdw>
-              </a:effectLst>
-            </a:endParaRPr>
           </a:p>
         </p:txBody>
       </p:sp>
